--- a/pl-2.pptx
+++ b/pl-2.pptx
@@ -5,7 +5,7 @@
     <p:sldMasterId id="2147483686" r:id="rId1"/>
   </p:sldMasterIdLst>
   <p:notesMasterIdLst>
-    <p:notesMasterId r:id="rId14"/>
+    <p:notesMasterId r:id="rId13"/>
   </p:notesMasterIdLst>
   <p:sldIdLst>
     <p:sldId id="256" r:id="rId2"/>
@@ -18,8 +18,7 @@
     <p:sldId id="264" r:id="rId9"/>
     <p:sldId id="266" r:id="rId10"/>
     <p:sldId id="267" r:id="rId11"/>
-    <p:sldId id="269" r:id="rId12"/>
-    <p:sldId id="270" r:id="rId13"/>
+    <p:sldId id="270" r:id="rId12"/>
   </p:sldIdLst>
   <p:sldSz cx="9144000" cy="6858000" type="screen4x3"/>
   <p:notesSz cx="6858000" cy="9144000"/>
@@ -238,7 +237,7 @@
           <a:p>
             <a:fld id="{953C440D-1B2B-4B77-972E-08EB37B0D810}" type="datetimeFigureOut">
               <a:rPr kumimoji="1" lang="ja-JP" altLang="en-US" smtClean="0"/>
-              <a:t>2018/7/21</a:t>
+              <a:t>2018/7/22</a:t>
             </a:fld>
             <a:endParaRPr kumimoji="1" lang="ja-JP" altLang="en-US"/>
           </a:p>
@@ -853,7 +852,7 @@
           <a:p>
             <a:fld id="{E9D12F2A-E855-47CF-B8EA-F3B716774AD1}" type="datetime1">
               <a:rPr kumimoji="1" lang="ja-JP" altLang="en-US" smtClean="0"/>
-              <a:t>2018/7/21</a:t>
+              <a:t>2018/7/22</a:t>
             </a:fld>
             <a:endParaRPr kumimoji="1" lang="ja-JP" altLang="en-US"/>
           </a:p>
@@ -1587,7 +1586,7 @@
           <a:p>
             <a:fld id="{F6398A99-9200-4651-AF3F-65FCE9256191}" type="datetime1">
               <a:rPr kumimoji="1" lang="ja-JP" altLang="en-US" smtClean="0"/>
-              <a:t>2018/7/21</a:t>
+              <a:t>2018/7/22</a:t>
             </a:fld>
             <a:endParaRPr kumimoji="1" lang="ja-JP" altLang="en-US"/>
           </a:p>
@@ -1847,7 +1846,7 @@
           <a:p>
             <a:fld id="{6C5517B9-6F2E-4CE6-9140-97DF1A77F57F}" type="datetime1">
               <a:rPr kumimoji="1" lang="ja-JP" altLang="en-US" smtClean="0"/>
-              <a:t>2018/7/21</a:t>
+              <a:t>2018/7/22</a:t>
             </a:fld>
             <a:endParaRPr kumimoji="1" lang="ja-JP" altLang="en-US"/>
           </a:p>
@@ -2097,7 +2096,7 @@
           <a:p>
             <a:fld id="{6BC8FDA4-2736-455F-B065-D41AB752F279}" type="datetime1">
               <a:rPr kumimoji="1" lang="ja-JP" altLang="en-US" smtClean="0"/>
-              <a:t>2018/7/21</a:t>
+              <a:t>2018/7/22</a:t>
             </a:fld>
             <a:endParaRPr kumimoji="1" lang="ja-JP" altLang="en-US"/>
           </a:p>
@@ -2338,7 +2337,7 @@
           <a:p>
             <a:fld id="{A27506D1-AD5E-4CFA-ADE9-EB551990D7F8}" type="datetime1">
               <a:rPr kumimoji="1" lang="ja-JP" altLang="en-US" smtClean="0"/>
-              <a:t>2018/7/21</a:t>
+              <a:t>2018/7/22</a:t>
             </a:fld>
             <a:endParaRPr kumimoji="1" lang="ja-JP" altLang="en-US"/>
           </a:p>
@@ -2687,7 +2686,7 @@
           <a:p>
             <a:fld id="{361D269E-F9DC-4CEA-8FC0-6EA43C762BCE}" type="datetime1">
               <a:rPr kumimoji="1" lang="ja-JP" altLang="en-US" smtClean="0"/>
-              <a:t>2018/7/21</a:t>
+              <a:t>2018/7/22</a:t>
             </a:fld>
             <a:endParaRPr kumimoji="1" lang="ja-JP" altLang="en-US"/>
           </a:p>
@@ -3183,7 +3182,7 @@
           <a:p>
             <a:fld id="{F7648FC9-036A-4531-B125-D82EEA19127E}" type="datetime1">
               <a:rPr kumimoji="1" lang="ja-JP" altLang="en-US" smtClean="0"/>
-              <a:t>2018/7/21</a:t>
+              <a:t>2018/7/22</a:t>
             </a:fld>
             <a:endParaRPr kumimoji="1" lang="ja-JP" altLang="en-US"/>
           </a:p>
@@ -3344,7 +3343,7 @@
           <a:p>
             <a:fld id="{78EBE3C0-9140-48A0-BC78-79C379B7D3FD}" type="datetime1">
               <a:rPr kumimoji="1" lang="ja-JP" altLang="en-US" smtClean="0"/>
-              <a:t>2018/7/21</a:t>
+              <a:t>2018/7/22</a:t>
             </a:fld>
             <a:endParaRPr kumimoji="1" lang="ja-JP" altLang="en-US"/>
           </a:p>
@@ -3477,7 +3476,7 @@
           <a:p>
             <a:fld id="{475FF00C-F710-4CCE-B1AF-BB957C47B518}" type="datetime1">
               <a:rPr kumimoji="1" lang="ja-JP" altLang="en-US" smtClean="0"/>
-              <a:t>2018/7/21</a:t>
+              <a:t>2018/7/22</a:t>
             </a:fld>
             <a:endParaRPr kumimoji="1" lang="ja-JP" altLang="en-US"/>
           </a:p>
@@ -3840,7 +3839,7 @@
           <a:p>
             <a:fld id="{E049F298-1AF4-4B8E-8909-99AF6D4D62B4}" type="datetime1">
               <a:rPr kumimoji="1" lang="ja-JP" altLang="en-US" smtClean="0"/>
-              <a:t>2018/7/21</a:t>
+              <a:t>2018/7/22</a:t>
             </a:fld>
             <a:endParaRPr kumimoji="1" lang="ja-JP" altLang="en-US"/>
           </a:p>
@@ -4151,7 +4150,7 @@
           <a:p>
             <a:fld id="{57878C8A-2C8C-41FA-9055-998AA8B5A6ED}" type="datetime1">
               <a:rPr kumimoji="1" lang="ja-JP" altLang="en-US" smtClean="0"/>
-              <a:t>2018/7/21</a:t>
+              <a:t>2018/7/22</a:t>
             </a:fld>
             <a:endParaRPr kumimoji="1" lang="ja-JP" altLang="en-US"/>
           </a:p>
@@ -4471,7 +4470,7 @@
           <a:p>
             <a:fld id="{8EE44A5C-1968-4F89-9E45-612ECB65B894}" type="datetime1">
               <a:rPr kumimoji="1" lang="ja-JP" altLang="en-US" smtClean="0"/>
-              <a:t>2018/7/21</a:t>
+              <a:t>2018/7/22</a:t>
             </a:fld>
             <a:endParaRPr kumimoji="1" lang="ja-JP" altLang="en-US"/>
           </a:p>
@@ -5754,7 +5753,7 @@
             </a:r>
             <a:r>
               <a:rPr kumimoji="1" lang="ja-JP" altLang="en-US" sz="2500" dirty="0"/>
-              <a:t>内のみに向けた質問なども可能。</a:t>
+              <a:t>内のみに向けた質問が可能。</a:t>
             </a:r>
           </a:p>
         </p:txBody>
@@ -5874,10 +5873,9 @@
           <a:p>
             <a:pPr algn="ctr"/>
             <a:r>
-              <a:rPr lang="ja-JP" altLang="en-US" dirty="0"/>
-              <a:t>通報機能</a:t>
-            </a:r>
-            <a:endParaRPr kumimoji="1" lang="ja-JP" altLang="en-US" dirty="0"/>
+              <a:rPr kumimoji="1" lang="ja-JP" altLang="en-US" dirty="0"/>
+              <a:t>デモプレイ</a:t>
+            </a:r>
           </a:p>
         </p:txBody>
       </p:sp>
@@ -5904,38 +5902,9 @@
           <a:p>
             <a:r>
               <a:rPr lang="ja-JP" altLang="en-US" sz="2500" dirty="0"/>
-              <a:t>利用者は不適切な発言</a:t>
-            </a:r>
-            <a:r>
-              <a:rPr lang="en-US" altLang="ja-JP" sz="2500" dirty="0"/>
-              <a:t>, </a:t>
-            </a:r>
-            <a:r>
-              <a:rPr lang="ja-JP" altLang="en-US" sz="2500" dirty="0"/>
-              <a:t>使用を行う利用者を運営に</a:t>
-            </a:r>
-            <a:r>
-              <a:rPr kumimoji="1" lang="ja-JP" altLang="en-US" sz="2500" dirty="0">
-                <a:solidFill>
-                  <a:srgbClr val="FF0000"/>
-                </a:solidFill>
-              </a:rPr>
-              <a:t>通報</a:t>
-            </a:r>
-            <a:r>
-              <a:rPr kumimoji="1" lang="ja-JP" altLang="en-US" sz="2500" dirty="0"/>
-              <a:t>することができる。</a:t>
-            </a:r>
-            <a:endParaRPr kumimoji="1" lang="en-US" altLang="ja-JP" sz="2500" dirty="0"/>
-          </a:p>
-          <a:p>
+              <a:t>デモ内容（未定）</a:t>
+            </a:r>
             <a:endParaRPr lang="en-US" altLang="ja-JP" sz="2500" dirty="0"/>
-          </a:p>
-          <a:p>
-            <a:r>
-              <a:rPr kumimoji="1" lang="ja-JP" altLang="en-US" sz="2500" dirty="0"/>
-              <a:t>運営は、通報された情報をもとに判断し、その利用者を利用停止するなどの処置をすることができる。</a:t>
-            </a:r>
           </a:p>
         </p:txBody>
       </p:sp>
@@ -5996,156 +5965,6 @@
             <a:fld id="{E457AAFA-38F4-4DED-BA16-33C71D378A14}" type="slidenum">
               <a:rPr kumimoji="1" lang="ja-JP" altLang="en-US" smtClean="0"/>
               <a:t>11</a:t>
-            </a:fld>
-            <a:endParaRPr kumimoji="1" lang="ja-JP" altLang="en-US"/>
-          </a:p>
-        </p:txBody>
-      </p:sp>
-    </p:spTree>
-    <p:extLst>
-      <p:ext uri="{BB962C8B-B14F-4D97-AF65-F5344CB8AC3E}">
-        <p14:creationId xmlns:p14="http://schemas.microsoft.com/office/powerpoint/2010/main" val="502008321"/>
-      </p:ext>
-    </p:extLst>
-  </p:cSld>
-  <p:clrMapOvr>
-    <a:masterClrMapping/>
-  </p:clrMapOvr>
-</p:sld>
-</file>
-
-<file path=ppt/slides/slide12.xml><?xml version="1.0" encoding="utf-8"?>
-<p:sld xmlns:a="http://schemas.openxmlformats.org/drawingml/2006/main" xmlns:r="http://schemas.openxmlformats.org/officeDocument/2006/relationships" xmlns:p="http://schemas.openxmlformats.org/presentationml/2006/main">
-  <p:cSld>
-    <p:spTree>
-      <p:nvGrpSpPr>
-        <p:cNvPr id="1" name=""/>
-        <p:cNvGrpSpPr/>
-        <p:nvPr/>
-      </p:nvGrpSpPr>
-      <p:grpSpPr>
-        <a:xfrm>
-          <a:off x="0" y="0"/>
-          <a:ext cx="0" cy="0"/>
-          <a:chOff x="0" y="0"/>
-          <a:chExt cx="0" cy="0"/>
-        </a:xfrm>
-      </p:grpSpPr>
-      <p:sp>
-        <p:nvSpPr>
-          <p:cNvPr id="2" name="タイトル 1">
-            <a:extLst>
-              <a:ext uri="{FF2B5EF4-FFF2-40B4-BE49-F238E27FC236}">
-                <a16:creationId xmlns:a16="http://schemas.microsoft.com/office/drawing/2014/main" id="{D4670EB2-7F61-431A-9C41-40DBF1905E2D}"/>
-              </a:ext>
-            </a:extLst>
-          </p:cNvPr>
-          <p:cNvSpPr>
-            <a:spLocks noGrp="1"/>
-          </p:cNvSpPr>
-          <p:nvPr>
-            <p:ph type="title"/>
-          </p:nvPr>
-        </p:nvSpPr>
-        <p:spPr/>
-        <p:txBody>
-          <a:bodyPr/>
-          <a:lstStyle/>
-          <a:p>
-            <a:pPr algn="ctr"/>
-            <a:r>
-              <a:rPr kumimoji="1" lang="ja-JP" altLang="en-US" dirty="0"/>
-              <a:t>デモプレイ</a:t>
-            </a:r>
-          </a:p>
-        </p:txBody>
-      </p:sp>
-      <p:sp>
-        <p:nvSpPr>
-          <p:cNvPr id="3" name="コンテンツ プレースホルダー 2">
-            <a:extLst>
-              <a:ext uri="{FF2B5EF4-FFF2-40B4-BE49-F238E27FC236}">
-                <a16:creationId xmlns:a16="http://schemas.microsoft.com/office/drawing/2014/main" id="{BB285881-6577-4F9E-952C-0808FF9E0B36}"/>
-              </a:ext>
-            </a:extLst>
-          </p:cNvPr>
-          <p:cNvSpPr>
-            <a:spLocks noGrp="1"/>
-          </p:cNvSpPr>
-          <p:nvPr>
-            <p:ph idx="1"/>
-          </p:nvPr>
-        </p:nvSpPr>
-        <p:spPr/>
-        <p:txBody>
-          <a:bodyPr/>
-          <a:lstStyle/>
-          <a:p>
-            <a:r>
-              <a:rPr lang="ja-JP" altLang="en-US" sz="2500" dirty="0"/>
-              <a:t>デモ内容（未定）</a:t>
-            </a:r>
-            <a:endParaRPr lang="en-US" altLang="ja-JP" sz="2500" dirty="0"/>
-          </a:p>
-        </p:txBody>
-      </p:sp>
-      <p:sp>
-        <p:nvSpPr>
-          <p:cNvPr id="4" name="フッター プレースホルダー 3">
-            <a:extLst>
-              <a:ext uri="{FF2B5EF4-FFF2-40B4-BE49-F238E27FC236}">
-                <a16:creationId xmlns:a16="http://schemas.microsoft.com/office/drawing/2014/main" id="{9342A4D2-EE37-4B25-92A2-CC92EAB934B9}"/>
-              </a:ext>
-            </a:extLst>
-          </p:cNvPr>
-          <p:cNvSpPr>
-            <a:spLocks noGrp="1"/>
-          </p:cNvSpPr>
-          <p:nvPr>
-            <p:ph type="ftr" sz="quarter" idx="11"/>
-          </p:nvPr>
-        </p:nvSpPr>
-        <p:spPr/>
-        <p:txBody>
-          <a:bodyPr/>
-          <a:lstStyle/>
-          <a:p>
-            <a:r>
-              <a:rPr kumimoji="1" lang="ja-JP" altLang="en-US"/>
-              <a:t>プロジェクトラーニング成果報告会 </a:t>
-            </a:r>
-            <a:r>
-              <a:rPr kumimoji="1" lang="en-US" altLang="ja-JP"/>
-              <a:t>2018/07/24(Tue)</a:t>
-            </a:r>
-            <a:endParaRPr kumimoji="1" lang="ja-JP" altLang="en-US"/>
-          </a:p>
-        </p:txBody>
-      </p:sp>
-      <p:sp>
-        <p:nvSpPr>
-          <p:cNvPr id="5" name="スライド番号プレースホルダー 4">
-            <a:extLst>
-              <a:ext uri="{FF2B5EF4-FFF2-40B4-BE49-F238E27FC236}">
-                <a16:creationId xmlns:a16="http://schemas.microsoft.com/office/drawing/2014/main" id="{DD581BCC-0C45-44B8-8BD9-6788A5DE17D6}"/>
-              </a:ext>
-            </a:extLst>
-          </p:cNvPr>
-          <p:cNvSpPr>
-            <a:spLocks noGrp="1"/>
-          </p:cNvSpPr>
-          <p:nvPr>
-            <p:ph type="sldNum" sz="quarter" idx="12"/>
-          </p:nvPr>
-        </p:nvSpPr>
-        <p:spPr/>
-        <p:txBody>
-          <a:bodyPr/>
-          <a:lstStyle/>
-          <a:p>
-            <a:fld id="{E457AAFA-38F4-4DED-BA16-33C71D378A14}" type="slidenum">
-              <a:rPr kumimoji="1" lang="ja-JP" altLang="en-US" smtClean="0"/>
-              <a:t>12</a:t>
             </a:fld>
             <a:endParaRPr kumimoji="1" lang="ja-JP" altLang="en-US"/>
           </a:p>
@@ -6534,7 +6353,7 @@
             </a:r>
             <a:r>
               <a:rPr lang="en-US" altLang="ja-JP" dirty="0"/>
-              <a:t> to &amp; </a:t>
+              <a:t> &amp; </a:t>
             </a:r>
             <a:r>
               <a:rPr lang="en-US" altLang="ja-JP" dirty="0">
@@ -7013,7 +6832,7 @@
           </a:p>
           <a:p>
             <a:r>
-              <a:rPr lang="ja-JP" altLang="en-US" dirty="0">
+              <a:rPr lang="ja-JP" altLang="en-US">
                 <a:solidFill>
                   <a:srgbClr val="FF0000"/>
                 </a:solidFill>
@@ -7021,22 +6840,7 @@
               <a:t>グループ</a:t>
             </a:r>
             <a:r>
-              <a:rPr lang="ja-JP" altLang="en-US" dirty="0"/>
-              <a:t>機能</a:t>
-            </a:r>
-            <a:endParaRPr lang="en-US" altLang="ja-JP" dirty="0"/>
-          </a:p>
-          <a:p>
-            <a:r>
-              <a:rPr kumimoji="1" lang="ja-JP" altLang="en-US" dirty="0">
-                <a:solidFill>
-                  <a:srgbClr val="FF0000"/>
-                </a:solidFill>
-              </a:rPr>
-              <a:t>通報</a:t>
-            </a:r>
-            <a:r>
-              <a:rPr kumimoji="1" lang="ja-JP" altLang="en-US" dirty="0"/>
+              <a:rPr lang="ja-JP" altLang="en-US"/>
               <a:t>機能</a:t>
             </a:r>
             <a:endParaRPr kumimoji="1" lang="en-US" altLang="ja-JP" dirty="0"/>
@@ -7810,7 +7614,7 @@
             </a:r>
             <a:r>
               <a:rPr lang="ja-JP" altLang="en-US" sz="2500" dirty="0"/>
-              <a:t>（○○）を見ることができる。</a:t>
+              <a:t>（解答数、評価値など）を見ることができる。</a:t>
             </a:r>
             <a:endParaRPr kumimoji="1" lang="en-US" altLang="ja-JP" sz="2500" dirty="0"/>
           </a:p>

--- a/pl-2.pptx
+++ b/pl-2.pptx
@@ -237,7 +237,7 @@
           <a:p>
             <a:fld id="{953C440D-1B2B-4B77-972E-08EB37B0D810}" type="datetimeFigureOut">
               <a:rPr kumimoji="1" lang="ja-JP" altLang="en-US" smtClean="0"/>
-              <a:t>2018/7/22</a:t>
+              <a:t>2018/7/23</a:t>
             </a:fld>
             <a:endParaRPr kumimoji="1" lang="ja-JP" altLang="en-US"/>
           </a:p>
@@ -852,7 +852,7 @@
           <a:p>
             <a:fld id="{E9D12F2A-E855-47CF-B8EA-F3B716774AD1}" type="datetime1">
               <a:rPr kumimoji="1" lang="ja-JP" altLang="en-US" smtClean="0"/>
-              <a:t>2018/7/22</a:t>
+              <a:t>2018/7/23</a:t>
             </a:fld>
             <a:endParaRPr kumimoji="1" lang="ja-JP" altLang="en-US"/>
           </a:p>
@@ -1586,7 +1586,7 @@
           <a:p>
             <a:fld id="{F6398A99-9200-4651-AF3F-65FCE9256191}" type="datetime1">
               <a:rPr kumimoji="1" lang="ja-JP" altLang="en-US" smtClean="0"/>
-              <a:t>2018/7/22</a:t>
+              <a:t>2018/7/23</a:t>
             </a:fld>
             <a:endParaRPr kumimoji="1" lang="ja-JP" altLang="en-US"/>
           </a:p>
@@ -1846,7 +1846,7 @@
           <a:p>
             <a:fld id="{6C5517B9-6F2E-4CE6-9140-97DF1A77F57F}" type="datetime1">
               <a:rPr kumimoji="1" lang="ja-JP" altLang="en-US" smtClean="0"/>
-              <a:t>2018/7/22</a:t>
+              <a:t>2018/7/23</a:t>
             </a:fld>
             <a:endParaRPr kumimoji="1" lang="ja-JP" altLang="en-US"/>
           </a:p>
@@ -2096,7 +2096,7 @@
           <a:p>
             <a:fld id="{6BC8FDA4-2736-455F-B065-D41AB752F279}" type="datetime1">
               <a:rPr kumimoji="1" lang="ja-JP" altLang="en-US" smtClean="0"/>
-              <a:t>2018/7/22</a:t>
+              <a:t>2018/7/23</a:t>
             </a:fld>
             <a:endParaRPr kumimoji="1" lang="ja-JP" altLang="en-US"/>
           </a:p>
@@ -2337,7 +2337,7 @@
           <a:p>
             <a:fld id="{A27506D1-AD5E-4CFA-ADE9-EB551990D7F8}" type="datetime1">
               <a:rPr kumimoji="1" lang="ja-JP" altLang="en-US" smtClean="0"/>
-              <a:t>2018/7/22</a:t>
+              <a:t>2018/7/23</a:t>
             </a:fld>
             <a:endParaRPr kumimoji="1" lang="ja-JP" altLang="en-US"/>
           </a:p>
@@ -2686,7 +2686,7 @@
           <a:p>
             <a:fld id="{361D269E-F9DC-4CEA-8FC0-6EA43C762BCE}" type="datetime1">
               <a:rPr kumimoji="1" lang="ja-JP" altLang="en-US" smtClean="0"/>
-              <a:t>2018/7/22</a:t>
+              <a:t>2018/7/23</a:t>
             </a:fld>
             <a:endParaRPr kumimoji="1" lang="ja-JP" altLang="en-US"/>
           </a:p>
@@ -3182,7 +3182,7 @@
           <a:p>
             <a:fld id="{F7648FC9-036A-4531-B125-D82EEA19127E}" type="datetime1">
               <a:rPr kumimoji="1" lang="ja-JP" altLang="en-US" smtClean="0"/>
-              <a:t>2018/7/22</a:t>
+              <a:t>2018/7/23</a:t>
             </a:fld>
             <a:endParaRPr kumimoji="1" lang="ja-JP" altLang="en-US"/>
           </a:p>
@@ -3343,7 +3343,7 @@
           <a:p>
             <a:fld id="{78EBE3C0-9140-48A0-BC78-79C379B7D3FD}" type="datetime1">
               <a:rPr kumimoji="1" lang="ja-JP" altLang="en-US" smtClean="0"/>
-              <a:t>2018/7/22</a:t>
+              <a:t>2018/7/23</a:t>
             </a:fld>
             <a:endParaRPr kumimoji="1" lang="ja-JP" altLang="en-US"/>
           </a:p>
@@ -3476,7 +3476,7 @@
           <a:p>
             <a:fld id="{475FF00C-F710-4CCE-B1AF-BB957C47B518}" type="datetime1">
               <a:rPr kumimoji="1" lang="ja-JP" altLang="en-US" smtClean="0"/>
-              <a:t>2018/7/22</a:t>
+              <a:t>2018/7/23</a:t>
             </a:fld>
             <a:endParaRPr kumimoji="1" lang="ja-JP" altLang="en-US"/>
           </a:p>
@@ -3839,7 +3839,7 @@
           <a:p>
             <a:fld id="{E049F298-1AF4-4B8E-8909-99AF6D4D62B4}" type="datetime1">
               <a:rPr kumimoji="1" lang="ja-JP" altLang="en-US" smtClean="0"/>
-              <a:t>2018/7/22</a:t>
+              <a:t>2018/7/23</a:t>
             </a:fld>
             <a:endParaRPr kumimoji="1" lang="ja-JP" altLang="en-US"/>
           </a:p>
@@ -4150,7 +4150,7 @@
           <a:p>
             <a:fld id="{57878C8A-2C8C-41FA-9055-998AA8B5A6ED}" type="datetime1">
               <a:rPr kumimoji="1" lang="ja-JP" altLang="en-US" smtClean="0"/>
-              <a:t>2018/7/22</a:t>
+              <a:t>2018/7/23</a:t>
             </a:fld>
             <a:endParaRPr kumimoji="1" lang="ja-JP" altLang="en-US"/>
           </a:p>
@@ -4470,7 +4470,7 @@
           <a:p>
             <a:fld id="{8EE44A5C-1968-4F89-9E45-612ECB65B894}" type="datetime1">
               <a:rPr kumimoji="1" lang="ja-JP" altLang="en-US" smtClean="0"/>
-              <a:t>2018/7/22</a:t>
+              <a:t>2018/7/23</a:t>
             </a:fld>
             <a:endParaRPr kumimoji="1" lang="ja-JP" altLang="en-US"/>
           </a:p>
@@ -7236,8 +7236,24 @@
               <a:t>評価値</a:t>
             </a:r>
             <a:r>
+              <a:rPr lang="ja-JP" altLang="en-US" sz="2500" dirty="0"/>
+              <a:t>（質問者は、解答者からの解答を</a:t>
+            </a:r>
+            <a:r>
+              <a:rPr lang="ja-JP" altLang="en-US" sz="2500" dirty="0">
+                <a:solidFill>
+                  <a:srgbClr val="FF0000"/>
+                </a:solidFill>
+              </a:rPr>
+              <a:t>評価</a:t>
+            </a:r>
+            <a:r>
+              <a:rPr lang="ja-JP" altLang="en-US" sz="2500" dirty="0"/>
+              <a:t>することができる。 ）</a:t>
+            </a:r>
+            <a:r>
               <a:rPr kumimoji="1" lang="ja-JP" altLang="en-US" sz="2500" dirty="0"/>
-              <a:t>（次スライドで詳しく述べます。）が、一定以上でない場合は報酬が支払われないようにすることで、解答の質も高めることができる。</a:t>
+              <a:t>が、一定以上でない場合は報酬が支払われないようにすることで、解答の質も高めることができる。</a:t>
             </a:r>
             <a:endParaRPr kumimoji="1" lang="en-US" altLang="ja-JP" sz="2500" dirty="0"/>
           </a:p>
@@ -7325,7 +7341,7 @@
 </file>
 
 <file path=ppt/slides/slide8.xml><?xml version="1.0" encoding="utf-8"?>
-<p:sld xmlns:a="http://schemas.openxmlformats.org/drawingml/2006/main" xmlns:r="http://schemas.openxmlformats.org/officeDocument/2006/relationships" xmlns:p="http://schemas.openxmlformats.org/presentationml/2006/main">
+<p:sld xmlns:a="http://schemas.openxmlformats.org/drawingml/2006/main" xmlns:r="http://schemas.openxmlformats.org/officeDocument/2006/relationships" xmlns:p="http://schemas.openxmlformats.org/presentationml/2006/main" show="0">
   <p:cSld>
     <p:spTree>
       <p:nvGrpSpPr>
@@ -7580,7 +7596,19 @@
           <a:p>
             <a:r>
               <a:rPr kumimoji="1" lang="ja-JP" altLang="en-US" sz="2500" dirty="0"/>
-              <a:t>質問者は、複数の解答者からの解答</a:t>
+              <a:t>質問者は、複数の解答者からの</a:t>
+            </a:r>
+            <a:r>
+              <a:rPr kumimoji="1" lang="ja-JP" altLang="en-US" sz="2500" dirty="0">
+                <a:solidFill>
+                  <a:srgbClr val="FF0000"/>
+                </a:solidFill>
+              </a:rPr>
+              <a:t>立候補</a:t>
+            </a:r>
+            <a:r>
+              <a:rPr kumimoji="1" lang="ja-JP" altLang="en-US" sz="2500" dirty="0"/>
+              <a:t>を受け取り、その中から解答してほしい者に</a:t>
             </a:r>
             <a:r>
               <a:rPr kumimoji="1" lang="ja-JP" altLang="en-US" sz="2500" dirty="0">
@@ -7592,7 +7620,7 @@
             </a:r>
             <a:r>
               <a:rPr kumimoji="1" lang="ja-JP" altLang="en-US" sz="2500" dirty="0"/>
-              <a:t>を受け取り、その中から解答してほしい者を選択できるようにする。</a:t>
+              <a:t>を送ることができるようにする。</a:t>
             </a:r>
             <a:endParaRPr lang="en-US" altLang="ja-JP" sz="2500" dirty="0"/>
           </a:p>
